--- a/Slides/Lecture 5-2.pptx
+++ b/Slides/Lecture 5-2.pptx
@@ -231,7 +231,7 @@
             <a:fld id="{A6781D3C-003D-4837-A496-9A32CDA8003A}" type="datetimeFigureOut">
               <a:rPr lang="en-US" smtClean="0"/>
               <a:pPr/>
-              <a:t>1/29/19</a:t>
+              <a:t>1/28/2019</a:t>
             </a:fld>
             <a:endParaRPr lang="en-US"/>
           </a:p>
@@ -586,182 +586,6 @@
     <p:extLst>
       <p:ext uri="{BB962C8B-B14F-4D97-AF65-F5344CB8AC3E}">
         <p14:creationId xmlns:p14="http://schemas.microsoft.com/office/powerpoint/2010/main" val="1843224322"/>
-      </p:ext>
-    </p:extLst>
-  </p:cSld>
-  <p:clrMapOvr>
-    <a:masterClrMapping/>
-  </p:clrMapOvr>
-</p:notes>
-</file>
-
-<file path=ppt/notesSlides/notesSlide2.xml><?xml version="1.0" encoding="utf-8"?>
-<p:notes xmlns:a="http://schemas.openxmlformats.org/drawingml/2006/main" xmlns:r="http://schemas.openxmlformats.org/officeDocument/2006/relationships" xmlns:p="http://schemas.openxmlformats.org/presentationml/2006/main">
-  <p:cSld>
-    <p:spTree>
-      <p:nvGrpSpPr>
-        <p:cNvPr id="1" name=""/>
-        <p:cNvGrpSpPr/>
-        <p:nvPr/>
-      </p:nvGrpSpPr>
-      <p:grpSpPr>
-        <a:xfrm>
-          <a:off x="0" y="0"/>
-          <a:ext cx="0" cy="0"/>
-          <a:chOff x="0" y="0"/>
-          <a:chExt cx="0" cy="0"/>
-        </a:xfrm>
-      </p:grpSpPr>
-      <p:sp>
-        <p:nvSpPr>
-          <p:cNvPr id="2" name="Slide Image Placeholder 1"/>
-          <p:cNvSpPr>
-            <a:spLocks noGrp="1" noRot="1" noChangeAspect="1"/>
-          </p:cNvSpPr>
-          <p:nvPr>
-            <p:ph type="sldImg"/>
-          </p:nvPr>
-        </p:nvSpPr>
-        <p:spPr/>
-      </p:sp>
-      <p:sp>
-        <p:nvSpPr>
-          <p:cNvPr id="3" name="Notes Placeholder 2"/>
-          <p:cNvSpPr>
-            <a:spLocks noGrp="1"/>
-          </p:cNvSpPr>
-          <p:nvPr>
-            <p:ph type="body" idx="1"/>
-          </p:nvPr>
-        </p:nvSpPr>
-        <p:spPr/>
-        <p:txBody>
-          <a:bodyPr/>
-          <a:lstStyle/>
-          <a:p>
-            <a:r>
-              <a:rPr lang="en-US" dirty="0"/>
-              <a:t>With 4-grams, training data become too sparse.</a:t>
-            </a:r>
-          </a:p>
-        </p:txBody>
-      </p:sp>
-      <p:sp>
-        <p:nvSpPr>
-          <p:cNvPr id="4" name="Slide Number Placeholder 3"/>
-          <p:cNvSpPr>
-            <a:spLocks noGrp="1"/>
-          </p:cNvSpPr>
-          <p:nvPr>
-            <p:ph type="sldNum" sz="quarter" idx="5"/>
-          </p:nvPr>
-        </p:nvSpPr>
-        <p:spPr/>
-        <p:txBody>
-          <a:bodyPr/>
-          <a:lstStyle/>
-          <a:p>
-            <a:fld id="{6529D11D-5857-48CF-ABB8-89B8AC9FD03C}" type="slidenum">
-              <a:rPr lang="en-US" smtClean="0"/>
-              <a:pPr/>
-              <a:t>11</a:t>
-            </a:fld>
-            <a:endParaRPr lang="en-US"/>
-          </a:p>
-        </p:txBody>
-      </p:sp>
-    </p:spTree>
-    <p:extLst>
-      <p:ext uri="{BB962C8B-B14F-4D97-AF65-F5344CB8AC3E}">
-        <p14:creationId xmlns:p14="http://schemas.microsoft.com/office/powerpoint/2010/main" val="3974878321"/>
-      </p:ext>
-    </p:extLst>
-  </p:cSld>
-  <p:clrMapOvr>
-    <a:masterClrMapping/>
-  </p:clrMapOvr>
-</p:notes>
-</file>
-
-<file path=ppt/notesSlides/notesSlide3.xml><?xml version="1.0" encoding="utf-8"?>
-<p:notes xmlns:a="http://schemas.openxmlformats.org/drawingml/2006/main" xmlns:r="http://schemas.openxmlformats.org/officeDocument/2006/relationships" xmlns:p="http://schemas.openxmlformats.org/presentationml/2006/main">
-  <p:cSld>
-    <p:spTree>
-      <p:nvGrpSpPr>
-        <p:cNvPr id="1" name=""/>
-        <p:cNvGrpSpPr/>
-        <p:nvPr/>
-      </p:nvGrpSpPr>
-      <p:grpSpPr>
-        <a:xfrm>
-          <a:off x="0" y="0"/>
-          <a:ext cx="0" cy="0"/>
-          <a:chOff x="0" y="0"/>
-          <a:chExt cx="0" cy="0"/>
-        </a:xfrm>
-      </p:grpSpPr>
-      <p:sp>
-        <p:nvSpPr>
-          <p:cNvPr id="2" name="Slide Image Placeholder 1"/>
-          <p:cNvSpPr>
-            <a:spLocks noGrp="1" noRot="1" noChangeAspect="1"/>
-          </p:cNvSpPr>
-          <p:nvPr>
-            <p:ph type="sldImg"/>
-          </p:nvPr>
-        </p:nvSpPr>
-        <p:spPr/>
-      </p:sp>
-      <p:sp>
-        <p:nvSpPr>
-          <p:cNvPr id="3" name="Notes Placeholder 2"/>
-          <p:cNvSpPr>
-            <a:spLocks noGrp="1"/>
-          </p:cNvSpPr>
-          <p:nvPr>
-            <p:ph type="body" idx="1"/>
-          </p:nvPr>
-        </p:nvSpPr>
-        <p:spPr/>
-        <p:txBody>
-          <a:bodyPr/>
-          <a:lstStyle/>
-          <a:p>
-            <a:r>
-              <a:rPr lang="en-US" dirty="0"/>
-              <a:t>Bigram model needs 1 &lt;S&gt;, trigram model needs 2 &lt;S&gt;, etc.</a:t>
-            </a:r>
-          </a:p>
-        </p:txBody>
-      </p:sp>
-      <p:sp>
-        <p:nvSpPr>
-          <p:cNvPr id="4" name="Slide Number Placeholder 3"/>
-          <p:cNvSpPr>
-            <a:spLocks noGrp="1"/>
-          </p:cNvSpPr>
-          <p:nvPr>
-            <p:ph type="sldNum" sz="quarter" idx="5"/>
-          </p:nvPr>
-        </p:nvSpPr>
-        <p:spPr/>
-        <p:txBody>
-          <a:bodyPr/>
-          <a:lstStyle/>
-          <a:p>
-            <a:fld id="{6529D11D-5857-48CF-ABB8-89B8AC9FD03C}" type="slidenum">
-              <a:rPr lang="en-US" smtClean="0"/>
-              <a:pPr/>
-              <a:t>17</a:t>
-            </a:fld>
-            <a:endParaRPr lang="en-US"/>
-          </a:p>
-        </p:txBody>
-      </p:sp>
-    </p:spTree>
-    <p:extLst>
-      <p:ext uri="{BB962C8B-B14F-4D97-AF65-F5344CB8AC3E}">
-        <p14:creationId xmlns:p14="http://schemas.microsoft.com/office/powerpoint/2010/main" val="2611208309"/>
       </p:ext>
     </p:extLst>
   </p:cSld>
@@ -4483,6 +4307,13 @@
   <p:clrMapOvr>
     <a:masterClrMapping/>
   </p:clrMapOvr>
+  <p:timing>
+    <p:tnLst>
+      <p:par>
+        <p:cTn id="1" dur="indefinite" restart="never" nodeType="tmRoot"/>
+      </p:par>
+    </p:tnLst>
+  </p:timing>
 </p:sld>
 </file>
 
@@ -4573,6 +4404,13 @@
   <p:clrMapOvr>
     <a:masterClrMapping/>
   </p:clrMapOvr>
+  <p:timing>
+    <p:tnLst>
+      <p:par>
+        <p:cTn id="1" dur="indefinite" restart="never" nodeType="tmRoot"/>
+      </p:par>
+    </p:tnLst>
+  </p:timing>
 </p:sld>
 </file>
 
@@ -4656,6 +4494,13 @@
   <p:clrMapOvr>
     <a:masterClrMapping/>
   </p:clrMapOvr>
+  <p:timing>
+    <p:tnLst>
+      <p:par>
+        <p:cTn id="1" dur="indefinite" restart="never" nodeType="tmRoot"/>
+      </p:par>
+    </p:tnLst>
+  </p:timing>
 </p:sld>
 </file>
 
@@ -4818,6 +4663,13 @@
   <p:clrMapOvr>
     <a:masterClrMapping/>
   </p:clrMapOvr>
+  <p:timing>
+    <p:tnLst>
+      <p:par>
+        <p:cTn id="1" dur="indefinite" restart="never" nodeType="tmRoot"/>
+      </p:par>
+    </p:tnLst>
+  </p:timing>
 </p:sld>
 </file>
 
@@ -5028,6 +4880,13 @@
   <p:clrMapOvr>
     <a:masterClrMapping/>
   </p:clrMapOvr>
+  <p:timing>
+    <p:tnLst>
+      <p:par>
+        <p:cTn id="1" dur="indefinite" restart="never" nodeType="tmRoot"/>
+      </p:par>
+    </p:tnLst>
+  </p:timing>
 </p:sld>
 </file>
 
@@ -5143,6 +5002,13 @@
   <p:clrMapOvr>
     <a:masterClrMapping/>
   </p:clrMapOvr>
+  <p:timing>
+    <p:tnLst>
+      <p:par>
+        <p:cTn id="1" dur="indefinite" restart="never" nodeType="tmRoot"/>
+      </p:par>
+    </p:tnLst>
+  </p:timing>
 </p:sld>
 </file>
 
@@ -5336,6 +5202,13 @@
   <p:clrMapOvr>
     <a:masterClrMapping/>
   </p:clrMapOvr>
+  <p:timing>
+    <p:tnLst>
+      <p:par>
+        <p:cTn id="1" dur="indefinite" restart="never" nodeType="tmRoot"/>
+      </p:par>
+    </p:tnLst>
+  </p:timing>
 </p:sld>
 </file>
 
@@ -5478,6 +5351,13 @@
   <p:clrMapOvr>
     <a:masterClrMapping/>
   </p:clrMapOvr>
+  <p:timing>
+    <p:tnLst>
+      <p:par>
+        <p:cTn id="1" dur="indefinite" restart="never" nodeType="tmRoot"/>
+      </p:par>
+    </p:tnLst>
+  </p:timing>
 </p:sld>
 </file>
 
@@ -5751,6 +5631,13 @@
   <p:clrMapOvr>
     <a:masterClrMapping/>
   </p:clrMapOvr>
+  <p:timing>
+    <p:tnLst>
+      <p:par>
+        <p:cTn id="1" dur="indefinite" restart="never" nodeType="tmRoot"/>
+      </p:par>
+    </p:tnLst>
+  </p:timing>
 </p:sld>
 </file>
 
@@ -6769,6 +6656,13 @@
   <p:clrMapOvr>
     <a:masterClrMapping/>
   </p:clrMapOvr>
+  <p:timing>
+    <p:tnLst>
+      <p:par>
+        <p:cTn id="1" dur="indefinite" restart="never" nodeType="tmRoot"/>
+      </p:par>
+    </p:tnLst>
+  </p:timing>
 </p:sld>
 </file>
 
@@ -6973,6 +6867,13 @@
   <p:clrMapOvr>
     <a:masterClrMapping/>
   </p:clrMapOvr>
+  <p:timing>
+    <p:tnLst>
+      <p:par>
+        <p:cTn id="1" dur="indefinite" restart="never" nodeType="tmRoot"/>
+      </p:par>
+    </p:tnLst>
+  </p:timing>
 </p:sld>
 </file>
 
@@ -7105,6 +7006,13 @@
   <p:clrMapOvr>
     <a:masterClrMapping/>
   </p:clrMapOvr>
+  <p:timing>
+    <p:tnLst>
+      <p:par>
+        <p:cTn id="1" dur="indefinite" restart="never" nodeType="tmRoot"/>
+      </p:par>
+    </p:tnLst>
+  </p:timing>
 </p:sld>
 </file>
 
@@ -7297,6 +7205,13 @@
   <p:clrMapOvr>
     <a:masterClrMapping/>
   </p:clrMapOvr>
+  <p:timing>
+    <p:tnLst>
+      <p:par>
+        <p:cTn id="1" dur="indefinite" restart="never" nodeType="tmRoot"/>
+      </p:par>
+    </p:tnLst>
+  </p:timing>
 </p:sld>
 </file>
 
@@ -7436,6 +7351,13 @@
   <p:clrMapOvr>
     <a:masterClrMapping/>
   </p:clrMapOvr>
+  <p:timing>
+    <p:tnLst>
+      <p:par>
+        <p:cTn id="1" dur="indefinite" restart="never" nodeType="tmRoot"/>
+      </p:par>
+    </p:tnLst>
+  </p:timing>
 </p:sld>
 </file>
 
@@ -7872,6 +7794,13 @@
   <p:clrMapOvr>
     <a:masterClrMapping/>
   </p:clrMapOvr>
+  <p:timing>
+    <p:tnLst>
+      <p:par>
+        <p:cTn id="1" dur="indefinite" restart="never" nodeType="tmRoot"/>
+      </p:par>
+    </p:tnLst>
+  </p:timing>
 </p:sld>
 </file>
 
@@ -8032,6 +7961,13 @@
   <p:clrMapOvr>
     <a:masterClrMapping/>
   </p:clrMapOvr>
+  <p:timing>
+    <p:tnLst>
+      <p:par>
+        <p:cTn id="1" dur="indefinite" restart="never" nodeType="tmRoot"/>
+      </p:par>
+    </p:tnLst>
+  </p:timing>
 </p:sld>
 </file>
 
@@ -8275,6 +8211,13 @@
   <p:clrMapOvr>
     <a:masterClrMapping/>
   </p:clrMapOvr>
+  <p:timing>
+    <p:tnLst>
+      <p:par>
+        <p:cTn id="1" dur="indefinite" restart="never" nodeType="tmRoot"/>
+      </p:par>
+    </p:tnLst>
+  </p:timing>
 </p:sld>
 </file>
 
@@ -8430,6 +8373,13 @@
   <p:clrMapOvr>
     <a:masterClrMapping/>
   </p:clrMapOvr>
+  <p:timing>
+    <p:tnLst>
+      <p:par>
+        <p:cTn id="1" dur="indefinite" restart="never" nodeType="tmRoot"/>
+      </p:par>
+    </p:tnLst>
+  </p:timing>
 </p:sld>
 </file>
 
@@ -8520,6 +8470,13 @@
   <p:clrMapOvr>
     <a:masterClrMapping/>
   </p:clrMapOvr>
+  <p:timing>
+    <p:tnLst>
+      <p:par>
+        <p:cTn id="1" dur="indefinite" restart="never" nodeType="tmRoot"/>
+      </p:par>
+    </p:tnLst>
+  </p:timing>
 </p:sld>
 </file>
 
